--- a/Final Report Docs/Alexis_Pechon_BSHCSD4_x19358953_Final Presentation.pptx
+++ b/Final Report Docs/Alexis_Pechon_BSHCSD4_x19358953_Final Presentation.pptx
@@ -129,7 +129,7 @@
   <pc:docChgLst>
     <pc:chgData name="Shadow Slav" userId="d20ffae102572ece" providerId="LiveId" clId="{72E0B8A7-C9B0-42E9-BF71-181C1134261A}"/>
     <pc:docChg chg="custSel addSld modSld">
-      <pc:chgData name="Shadow Slav" userId="d20ffae102572ece" providerId="LiveId" clId="{72E0B8A7-C9B0-42E9-BF71-181C1134261A}" dt="2023-05-10T14:10:49.367" v="184" actId="20577"/>
+      <pc:chgData name="Shadow Slav" userId="d20ffae102572ece" providerId="LiveId" clId="{72E0B8A7-C9B0-42E9-BF71-181C1134261A}" dt="2023-05-11T00:16:32.906" v="200"/>
       <pc:docMkLst>
         <pc:docMk/>
       </pc:docMkLst>
@@ -194,7 +194,7 @@
         </pc:spChg>
       </pc:sldChg>
       <pc:sldChg chg="modSp new mod">
-        <pc:chgData name="Shadow Slav" userId="d20ffae102572ece" providerId="LiveId" clId="{72E0B8A7-C9B0-42E9-BF71-181C1134261A}" dt="2023-05-10T14:10:01.413" v="131" actId="20577"/>
+        <pc:chgData name="Shadow Slav" userId="d20ffae102572ece" providerId="LiveId" clId="{72E0B8A7-C9B0-42E9-BF71-181C1134261A}" dt="2023-05-11T00:15:21.381" v="186" actId="5793"/>
         <pc:sldMkLst>
           <pc:docMk/>
           <pc:sldMk cId="3927139365" sldId="269"/>
@@ -207,9 +207,17 @@
             <ac:spMk id="2" creationId="{20759BC3-ED82-2A7A-D62A-71202C42EDD0}"/>
           </ac:spMkLst>
         </pc:spChg>
+        <pc:spChg chg="mod">
+          <ac:chgData name="Shadow Slav" userId="d20ffae102572ece" providerId="LiveId" clId="{72E0B8A7-C9B0-42E9-BF71-181C1134261A}" dt="2023-05-11T00:15:21.381" v="186" actId="5793"/>
+          <ac:spMkLst>
+            <pc:docMk/>
+            <pc:sldMk cId="3927139365" sldId="269"/>
+            <ac:spMk id="3" creationId="{3B587298-03F4-978B-730F-ED3057DC94D4}"/>
+          </ac:spMkLst>
+        </pc:spChg>
       </pc:sldChg>
       <pc:sldChg chg="modSp new mod">
-        <pc:chgData name="Shadow Slav" userId="d20ffae102572ece" providerId="LiveId" clId="{72E0B8A7-C9B0-42E9-BF71-181C1134261A}" dt="2023-05-10T14:10:05.634" v="141" actId="20577"/>
+        <pc:chgData name="Shadow Slav" userId="d20ffae102572ece" providerId="LiveId" clId="{72E0B8A7-C9B0-42E9-BF71-181C1134261A}" dt="2023-05-11T00:15:53.664" v="197" actId="12"/>
         <pc:sldMkLst>
           <pc:docMk/>
           <pc:sldMk cId="2478329666" sldId="270"/>
@@ -222,9 +230,17 @@
             <ac:spMk id="2" creationId="{43124D0B-7585-8AE2-FF1A-C293A5AF89E9}"/>
           </ac:spMkLst>
         </pc:spChg>
+        <pc:spChg chg="mod">
+          <ac:chgData name="Shadow Slav" userId="d20ffae102572ece" providerId="LiveId" clId="{72E0B8A7-C9B0-42E9-BF71-181C1134261A}" dt="2023-05-11T00:15:53.664" v="197" actId="12"/>
+          <ac:spMkLst>
+            <pc:docMk/>
+            <pc:sldMk cId="2478329666" sldId="270"/>
+            <ac:spMk id="3" creationId="{9877E1F7-9B46-5EE8-0F84-211E168A3313}"/>
+          </ac:spMkLst>
+        </pc:spChg>
       </pc:sldChg>
       <pc:sldChg chg="modSp new mod">
-        <pc:chgData name="Shadow Slav" userId="d20ffae102572ece" providerId="LiveId" clId="{72E0B8A7-C9B0-42E9-BF71-181C1134261A}" dt="2023-05-10T14:10:11.373" v="151" actId="20577"/>
+        <pc:chgData name="Shadow Slav" userId="d20ffae102572ece" providerId="LiveId" clId="{72E0B8A7-C9B0-42E9-BF71-181C1134261A}" dt="2023-05-11T00:16:11.253" v="198"/>
         <pc:sldMkLst>
           <pc:docMk/>
           <pc:sldMk cId="2593710543" sldId="271"/>
@@ -237,9 +253,17 @@
             <ac:spMk id="2" creationId="{78F6CA53-2AB1-D360-5F33-E02F8B5CBDD5}"/>
           </ac:spMkLst>
         </pc:spChg>
+        <pc:spChg chg="mod">
+          <ac:chgData name="Shadow Slav" userId="d20ffae102572ece" providerId="LiveId" clId="{72E0B8A7-C9B0-42E9-BF71-181C1134261A}" dt="2023-05-11T00:16:11.253" v="198"/>
+          <ac:spMkLst>
+            <pc:docMk/>
+            <pc:sldMk cId="2593710543" sldId="271"/>
+            <ac:spMk id="3" creationId="{73C4C71B-EA1A-62D7-8988-96D00D7C9067}"/>
+          </ac:spMkLst>
+        </pc:spChg>
       </pc:sldChg>
       <pc:sldChg chg="modSp new mod">
-        <pc:chgData name="Shadow Slav" userId="d20ffae102572ece" providerId="LiveId" clId="{72E0B8A7-C9B0-42E9-BF71-181C1134261A}" dt="2023-05-10T14:10:15.663" v="161" actId="20577"/>
+        <pc:chgData name="Shadow Slav" userId="d20ffae102572ece" providerId="LiveId" clId="{72E0B8A7-C9B0-42E9-BF71-181C1134261A}" dt="2023-05-11T00:16:21.607" v="199"/>
         <pc:sldMkLst>
           <pc:docMk/>
           <pc:sldMk cId="3995008573" sldId="272"/>
@@ -252,9 +276,17 @@
             <ac:spMk id="2" creationId="{29CB6D4D-F4A9-3B80-6F8F-A0C8AB799518}"/>
           </ac:spMkLst>
         </pc:spChg>
+        <pc:spChg chg="mod">
+          <ac:chgData name="Shadow Slav" userId="d20ffae102572ece" providerId="LiveId" clId="{72E0B8A7-C9B0-42E9-BF71-181C1134261A}" dt="2023-05-11T00:16:21.607" v="199"/>
+          <ac:spMkLst>
+            <pc:docMk/>
+            <pc:sldMk cId="3995008573" sldId="272"/>
+            <ac:spMk id="3" creationId="{AE5619AE-ACB7-990D-F689-569AB1B617B3}"/>
+          </ac:spMkLst>
+        </pc:spChg>
       </pc:sldChg>
       <pc:sldChg chg="modSp new mod">
-        <pc:chgData name="Shadow Slav" userId="d20ffae102572ece" providerId="LiveId" clId="{72E0B8A7-C9B0-42E9-BF71-181C1134261A}" dt="2023-05-10T14:10:20.864" v="171" actId="20577"/>
+        <pc:chgData name="Shadow Slav" userId="d20ffae102572ece" providerId="LiveId" clId="{72E0B8A7-C9B0-42E9-BF71-181C1134261A}" dt="2023-05-11T00:16:32.906" v="200"/>
         <pc:sldMkLst>
           <pc:docMk/>
           <pc:sldMk cId="3528245611" sldId="273"/>
@@ -265,6 +297,14 @@
             <pc:docMk/>
             <pc:sldMk cId="3528245611" sldId="273"/>
             <ac:spMk id="2" creationId="{45C2ECD8-C043-8549-D464-C9B464108539}"/>
+          </ac:spMkLst>
+        </pc:spChg>
+        <pc:spChg chg="mod">
+          <ac:chgData name="Shadow Slav" userId="d20ffae102572ece" providerId="LiveId" clId="{72E0B8A7-C9B0-42E9-BF71-181C1134261A}" dt="2023-05-11T00:16:32.906" v="200"/>
+          <ac:spMkLst>
+            <pc:docMk/>
+            <pc:sldMk cId="3528245611" sldId="273"/>
+            <ac:spMk id="3" creationId="{BD62E187-7F18-D156-C572-BEC472513056}"/>
           </ac:spMkLst>
         </pc:spChg>
       </pc:sldChg>
@@ -412,7 +452,7 @@
           <a:p>
             <a:fld id="{48A87A34-81AB-432B-8DAE-1953F412C126}" type="datetimeFigureOut">
               <a:rPr lang="en-US" dirty="0"/>
-              <a:t>5/10/2023</a:t>
+              <a:t>5/11/2023</a:t>
             </a:fld>
             <a:endParaRPr lang="en-US" dirty="0"/>
           </a:p>
@@ -618,7 +658,7 @@
           <a:p>
             <a:fld id="{48A87A34-81AB-432B-8DAE-1953F412C126}" type="datetimeFigureOut">
               <a:rPr lang="en-US" dirty="0"/>
-              <a:t>5/10/2023</a:t>
+              <a:t>5/11/2023</a:t>
             </a:fld>
             <a:endParaRPr lang="en-US" dirty="0"/>
           </a:p>
@@ -828,7 +868,7 @@
           <a:p>
             <a:fld id="{48A87A34-81AB-432B-8DAE-1953F412C126}" type="datetimeFigureOut">
               <a:rPr lang="en-US" dirty="0"/>
-              <a:t>5/10/2023</a:t>
+              <a:t>5/11/2023</a:t>
             </a:fld>
             <a:endParaRPr lang="en-US" dirty="0"/>
           </a:p>
@@ -1024,7 +1064,7 @@
           <a:p>
             <a:fld id="{48A87A34-81AB-432B-8DAE-1953F412C126}" type="datetimeFigureOut">
               <a:rPr lang="en-US" dirty="0"/>
-              <a:t>5/10/2023</a:t>
+              <a:t>5/11/2023</a:t>
             </a:fld>
             <a:endParaRPr lang="en-US" dirty="0"/>
           </a:p>
@@ -1298,7 +1338,7 @@
           <a:p>
             <a:fld id="{48A87A34-81AB-432B-8DAE-1953F412C126}" type="datetimeFigureOut">
               <a:rPr lang="en-US" dirty="0"/>
-              <a:t>5/10/2023</a:t>
+              <a:t>5/11/2023</a:t>
             </a:fld>
             <a:endParaRPr lang="en-US" dirty="0"/>
           </a:p>
@@ -1561,7 +1601,7 @@
           <a:p>
             <a:fld id="{48A87A34-81AB-432B-8DAE-1953F412C126}" type="datetimeFigureOut">
               <a:rPr lang="en-US" dirty="0"/>
-              <a:t>5/10/2023</a:t>
+              <a:t>5/11/2023</a:t>
             </a:fld>
             <a:endParaRPr lang="en-US" dirty="0"/>
           </a:p>
@@ -1972,7 +2012,7 @@
           <a:p>
             <a:fld id="{48A87A34-81AB-432B-8DAE-1953F412C126}" type="datetimeFigureOut">
               <a:rPr lang="en-US" dirty="0"/>
-              <a:t>5/10/2023</a:t>
+              <a:t>5/11/2023</a:t>
             </a:fld>
             <a:endParaRPr lang="en-US" dirty="0"/>
           </a:p>
@@ -2116,7 +2156,7 @@
           <a:p>
             <a:fld id="{48A87A34-81AB-432B-8DAE-1953F412C126}" type="datetimeFigureOut">
               <a:rPr lang="en-US" dirty="0"/>
-              <a:t>5/10/2023</a:t>
+              <a:t>5/11/2023</a:t>
             </a:fld>
             <a:endParaRPr lang="en-US" dirty="0"/>
           </a:p>
@@ -2237,7 +2277,7 @@
           <a:p>
             <a:fld id="{48A87A34-81AB-432B-8DAE-1953F412C126}" type="datetimeFigureOut">
               <a:rPr lang="en-US" dirty="0"/>
-              <a:t>5/10/2023</a:t>
+              <a:t>5/11/2023</a:t>
             </a:fld>
             <a:endParaRPr lang="en-US" dirty="0"/>
           </a:p>
@@ -2483,7 +2523,7 @@
           <a:p>
             <a:fld id="{48A87A34-81AB-432B-8DAE-1953F412C126}" type="datetimeFigureOut">
               <a:rPr lang="en-US" dirty="0"/>
-              <a:t>5/10/2023</a:t>
+              <a:t>5/11/2023</a:t>
             </a:fld>
             <a:endParaRPr lang="en-US" dirty="0"/>
           </a:p>
@@ -2924,7 +2964,7 @@
             <a:fld id="{48A87A34-81AB-432B-8DAE-1953F412C126}" type="datetimeFigureOut">
               <a:rPr lang="en-US" dirty="0"/>
               <a:pPr/>
-              <a:t>5/10/2023</a:t>
+              <a:t>5/11/2023</a:t>
             </a:fld>
             <a:endParaRPr lang="en-US" dirty="0"/>
           </a:p>
@@ -3247,7 +3287,7 @@
             <a:fld id="{48A87A34-81AB-432B-8DAE-1953F412C126}" type="datetimeFigureOut">
               <a:rPr lang="en-US" dirty="0"/>
               <a:pPr/>
-              <a:t>5/10/2023</a:t>
+              <a:t>5/11/2023</a:t>
             </a:fld>
             <a:endParaRPr lang="en-US" dirty="0"/>
           </a:p>
@@ -3872,7 +3912,23 @@
           <a:bodyPr/>
           <a:lstStyle/>
           <a:p>
-            <a:endParaRPr lang="en-GB"/>
+            <a:r>
+              <a:rPr lang="en-US" dirty="0">
+                <a:solidFill>
+                  <a:schemeClr val="tx1"/>
+                </a:solidFill>
+                <a:latin typeface="Calibri" panose="020F0502020204030204" pitchFamily="34" charset="0"/>
+                <a:cs typeface="Calibri" panose="020F0502020204030204" pitchFamily="34" charset="0"/>
+              </a:rPr>
+              <a:t>With respect to your requirement specification, what requirements have you since added, removed, or changed and what impact has this had on the completeness of your project? </a:t>
+            </a:r>
+            <a:endParaRPr lang="en-US" dirty="0">
+              <a:latin typeface="Calibri" panose="020F0502020204030204" pitchFamily="34" charset="0"/>
+              <a:cs typeface="Calibri" panose="020F0502020204030204" pitchFamily="34" charset="0"/>
+            </a:endParaRPr>
+          </a:p>
+          <a:p>
+            <a:endParaRPr lang="en-GB" dirty="0"/>
           </a:p>
         </p:txBody>
       </p:sp>
@@ -3955,7 +4011,19 @@
           <a:bodyPr/>
           <a:lstStyle/>
           <a:p>
-            <a:endParaRPr lang="en-GB"/>
+            <a:r>
+              <a:rPr lang="en-US" dirty="0">
+                <a:solidFill>
+                  <a:schemeClr val="tx1"/>
+                </a:solidFill>
+                <a:latin typeface="Calibri" panose="020F0502020204030204" pitchFamily="34" charset="0"/>
+                <a:cs typeface="Calibri" panose="020F0502020204030204" pitchFamily="34" charset="0"/>
+              </a:rPr>
+              <a:t>Describe in detail, your approach to Testing</a:t>
+            </a:r>
+          </a:p>
+          <a:p>
+            <a:endParaRPr lang="en-GB" dirty="0"/>
           </a:p>
         </p:txBody>
       </p:sp>
@@ -4038,7 +4106,19 @@
           <a:bodyPr/>
           <a:lstStyle/>
           <a:p>
-            <a:endParaRPr lang="en-GB"/>
+            <a:r>
+              <a:rPr lang="en-US" dirty="0">
+                <a:solidFill>
+                  <a:schemeClr val="tx1"/>
+                </a:solidFill>
+                <a:latin typeface="Calibri" panose="020F0502020204030204" pitchFamily="34" charset="0"/>
+                <a:cs typeface="Calibri" panose="020F0502020204030204" pitchFamily="34" charset="0"/>
+              </a:rPr>
+              <a:t>If you were to start your project again, would you change any of the decisions you made? For example, in relation to tools, technologies, languages, algorithms, security, testing strategies etc. </a:t>
+            </a:r>
+          </a:p>
+          <a:p>
+            <a:endParaRPr lang="en-GB" dirty="0"/>
           </a:p>
         </p:txBody>
       </p:sp>
@@ -4949,7 +5029,22 @@
           <a:bodyPr/>
           <a:lstStyle/>
           <a:p>
-            <a:endParaRPr lang="en-GB"/>
+            <a:r>
+              <a:rPr lang="en-US" dirty="0">
+                <a:solidFill>
+                  <a:schemeClr val="tx1"/>
+                </a:solidFill>
+                <a:latin typeface="Calibri" panose="020F0502020204030204" pitchFamily="34" charset="0"/>
+                <a:cs typeface="Calibri" panose="020F0502020204030204" pitchFamily="34" charset="0"/>
+              </a:rPr>
+              <a:t>Discuss the most difficult aspect of your project with particular emphasis on those areas related to your chosen specialization </a:t>
+            </a:r>
+          </a:p>
+          <a:p>
+            <a:pPr marL="0" indent="0">
+              <a:buNone/>
+            </a:pPr>
+            <a:endParaRPr lang="en-GB" dirty="0"/>
           </a:p>
         </p:txBody>
       </p:sp>
@@ -5032,7 +5127,17 @@
           <a:bodyPr/>
           <a:lstStyle/>
           <a:p>
-            <a:endParaRPr lang="en-GB"/>
+            <a:pPr marL="388620" indent="-342900"/>
+            <a:r>
+              <a:rPr lang="en-US" dirty="0">
+                <a:solidFill>
+                  <a:schemeClr val="tx1"/>
+                </a:solidFill>
+                <a:latin typeface="Calibri" panose="020F0502020204030204" pitchFamily="34" charset="0"/>
+                <a:cs typeface="Calibri" panose="020F0502020204030204" pitchFamily="34" charset="0"/>
+              </a:rPr>
+              <a:t>Discuss the most innovative aspect of your project.  For example, with respect to your use of technologies, programming languages, frameworks or security protocols, etc.</a:t>
+            </a:r>
           </a:p>
         </p:txBody>
       </p:sp>

--- a/Final Report Docs/Alexis_Pechon_BSHCSD4_x19358953_Final Presentation.pptx
+++ b/Final Report Docs/Alexis_Pechon_BSHCSD4_x19358953_Final Presentation.pptx
@@ -128,8 +128,8 @@
 <pc:chgInfo xmlns:a="http://schemas.openxmlformats.org/drawingml/2006/main" xmlns:r="http://schemas.openxmlformats.org/officeDocument/2006/relationships" xmlns:ac="http://schemas.microsoft.com/office/drawing/2013/main/command" xmlns:pc="http://schemas.microsoft.com/office/powerpoint/2013/main/command">
   <pc:docChgLst>
     <pc:chgData name="Shadow Slav" userId="d20ffae102572ece" providerId="LiveId" clId="{72E0B8A7-C9B0-42E9-BF71-181C1134261A}"/>
-    <pc:docChg chg="custSel addSld modSld">
-      <pc:chgData name="Shadow Slav" userId="d20ffae102572ece" providerId="LiveId" clId="{72E0B8A7-C9B0-42E9-BF71-181C1134261A}" dt="2023-05-11T00:16:32.906" v="200"/>
+    <pc:docChg chg="undo custSel addSld modSld">
+      <pc:chgData name="Shadow Slav" userId="d20ffae102572ece" providerId="LiveId" clId="{72E0B8A7-C9B0-42E9-BF71-181C1134261A}" dt="2023-05-12T13:29:06.810" v="877" actId="20577"/>
       <pc:docMkLst>
         <pc:docMk/>
       </pc:docMkLst>
@@ -164,7 +164,22 @@
         </pc:spChg>
       </pc:sldChg>
       <pc:sldChg chg="modSp mod">
-        <pc:chgData name="Shadow Slav" userId="d20ffae102572ece" providerId="LiveId" clId="{72E0B8A7-C9B0-42E9-BF71-181C1134261A}" dt="2023-05-10T14:10:49.367" v="184" actId="20577"/>
+        <pc:chgData name="Shadow Slav" userId="d20ffae102572ece" providerId="LiveId" clId="{72E0B8A7-C9B0-42E9-BF71-181C1134261A}" dt="2023-05-12T13:20:48.384" v="864" actId="20577"/>
+        <pc:sldMkLst>
+          <pc:docMk/>
+          <pc:sldMk cId="2998130132" sldId="258"/>
+        </pc:sldMkLst>
+        <pc:spChg chg="mod">
+          <ac:chgData name="Shadow Slav" userId="d20ffae102572ece" providerId="LiveId" clId="{72E0B8A7-C9B0-42E9-BF71-181C1134261A}" dt="2023-05-12T13:20:48.384" v="864" actId="20577"/>
+          <ac:spMkLst>
+            <pc:docMk/>
+            <pc:sldMk cId="2998130132" sldId="258"/>
+            <ac:spMk id="3" creationId="{C3C270C6-10A8-814D-FAAB-D9F792F9326A}"/>
+          </ac:spMkLst>
+        </pc:spChg>
+      </pc:sldChg>
+      <pc:sldChg chg="modSp mod">
+        <pc:chgData name="Shadow Slav" userId="d20ffae102572ece" providerId="LiveId" clId="{72E0B8A7-C9B0-42E9-BF71-181C1134261A}" dt="2023-05-12T13:29:06.810" v="877" actId="20577"/>
         <pc:sldMkLst>
           <pc:docMk/>
           <pc:sldMk cId="2897785889" sldId="259"/>
@@ -175,6 +190,44 @@
             <pc:docMk/>
             <pc:sldMk cId="2897785889" sldId="259"/>
             <ac:spMk id="2" creationId="{8F02F9F2-3F28-561C-0245-52C08C6461E9}"/>
+          </ac:spMkLst>
+        </pc:spChg>
+        <pc:spChg chg="mod">
+          <ac:chgData name="Shadow Slav" userId="d20ffae102572ece" providerId="LiveId" clId="{72E0B8A7-C9B0-42E9-BF71-181C1134261A}" dt="2023-05-12T13:29:06.810" v="877" actId="20577"/>
+          <ac:spMkLst>
+            <pc:docMk/>
+            <pc:sldMk cId="2897785889" sldId="259"/>
+            <ac:spMk id="3" creationId="{5E9F82FA-E160-A3F1-C7FE-F69ED2D531E0}"/>
+          </ac:spMkLst>
+        </pc:spChg>
+      </pc:sldChg>
+      <pc:sldChg chg="modSp mod">
+        <pc:chgData name="Shadow Slav" userId="d20ffae102572ece" providerId="LiveId" clId="{72E0B8A7-C9B0-42E9-BF71-181C1134261A}" dt="2023-05-12T13:15:12.823" v="349" actId="20577"/>
+        <pc:sldMkLst>
+          <pc:docMk/>
+          <pc:sldMk cId="2227511309" sldId="261"/>
+        </pc:sldMkLst>
+        <pc:spChg chg="mod">
+          <ac:chgData name="Shadow Slav" userId="d20ffae102572ece" providerId="LiveId" clId="{72E0B8A7-C9B0-42E9-BF71-181C1134261A}" dt="2023-05-12T13:15:12.823" v="349" actId="20577"/>
+          <ac:spMkLst>
+            <pc:docMk/>
+            <pc:sldMk cId="2227511309" sldId="261"/>
+            <ac:spMk id="3" creationId="{67766367-29FF-9955-C68A-4D1E2F6BA967}"/>
+          </ac:spMkLst>
+        </pc:spChg>
+      </pc:sldChg>
+      <pc:sldChg chg="modSp mod">
+        <pc:chgData name="Shadow Slav" userId="d20ffae102572ece" providerId="LiveId" clId="{72E0B8A7-C9B0-42E9-BF71-181C1134261A}" dt="2023-05-12T13:16:43.478" v="663" actId="20577"/>
+        <pc:sldMkLst>
+          <pc:docMk/>
+          <pc:sldMk cId="3525209106" sldId="264"/>
+        </pc:sldMkLst>
+        <pc:spChg chg="mod">
+          <ac:chgData name="Shadow Slav" userId="d20ffae102572ece" providerId="LiveId" clId="{72E0B8A7-C9B0-42E9-BF71-181C1134261A}" dt="2023-05-12T13:16:43.478" v="663" actId="20577"/>
+          <ac:spMkLst>
+            <pc:docMk/>
+            <pc:sldMk cId="3525209106" sldId="264"/>
+            <ac:spMk id="3" creationId="{2BA2F687-6ED2-7FF0-0731-77382EEC18D4}"/>
           </ac:spMkLst>
         </pc:spChg>
       </pc:sldChg>
@@ -452,7 +505,7 @@
           <a:p>
             <a:fld id="{48A87A34-81AB-432B-8DAE-1953F412C126}" type="datetimeFigureOut">
               <a:rPr lang="en-US" dirty="0"/>
-              <a:t>5/11/2023</a:t>
+              <a:t>5/12/2023</a:t>
             </a:fld>
             <a:endParaRPr lang="en-US" dirty="0"/>
           </a:p>
@@ -658,7 +711,7 @@
           <a:p>
             <a:fld id="{48A87A34-81AB-432B-8DAE-1953F412C126}" type="datetimeFigureOut">
               <a:rPr lang="en-US" dirty="0"/>
-              <a:t>5/11/2023</a:t>
+              <a:t>5/12/2023</a:t>
             </a:fld>
             <a:endParaRPr lang="en-US" dirty="0"/>
           </a:p>
@@ -868,7 +921,7 @@
           <a:p>
             <a:fld id="{48A87A34-81AB-432B-8DAE-1953F412C126}" type="datetimeFigureOut">
               <a:rPr lang="en-US" dirty="0"/>
-              <a:t>5/11/2023</a:t>
+              <a:t>5/12/2023</a:t>
             </a:fld>
             <a:endParaRPr lang="en-US" dirty="0"/>
           </a:p>
@@ -1064,7 +1117,7 @@
           <a:p>
             <a:fld id="{48A87A34-81AB-432B-8DAE-1953F412C126}" type="datetimeFigureOut">
               <a:rPr lang="en-US" dirty="0"/>
-              <a:t>5/11/2023</a:t>
+              <a:t>5/12/2023</a:t>
             </a:fld>
             <a:endParaRPr lang="en-US" dirty="0"/>
           </a:p>
@@ -1338,7 +1391,7 @@
           <a:p>
             <a:fld id="{48A87A34-81AB-432B-8DAE-1953F412C126}" type="datetimeFigureOut">
               <a:rPr lang="en-US" dirty="0"/>
-              <a:t>5/11/2023</a:t>
+              <a:t>5/12/2023</a:t>
             </a:fld>
             <a:endParaRPr lang="en-US" dirty="0"/>
           </a:p>
@@ -1601,7 +1654,7 @@
           <a:p>
             <a:fld id="{48A87A34-81AB-432B-8DAE-1953F412C126}" type="datetimeFigureOut">
               <a:rPr lang="en-US" dirty="0"/>
-              <a:t>5/11/2023</a:t>
+              <a:t>5/12/2023</a:t>
             </a:fld>
             <a:endParaRPr lang="en-US" dirty="0"/>
           </a:p>
@@ -2012,7 +2065,7 @@
           <a:p>
             <a:fld id="{48A87A34-81AB-432B-8DAE-1953F412C126}" type="datetimeFigureOut">
               <a:rPr lang="en-US" dirty="0"/>
-              <a:t>5/11/2023</a:t>
+              <a:t>5/12/2023</a:t>
             </a:fld>
             <a:endParaRPr lang="en-US" dirty="0"/>
           </a:p>
@@ -2156,7 +2209,7 @@
           <a:p>
             <a:fld id="{48A87A34-81AB-432B-8DAE-1953F412C126}" type="datetimeFigureOut">
               <a:rPr lang="en-US" dirty="0"/>
-              <a:t>5/11/2023</a:t>
+              <a:t>5/12/2023</a:t>
             </a:fld>
             <a:endParaRPr lang="en-US" dirty="0"/>
           </a:p>
@@ -2277,7 +2330,7 @@
           <a:p>
             <a:fld id="{48A87A34-81AB-432B-8DAE-1953F412C126}" type="datetimeFigureOut">
               <a:rPr lang="en-US" dirty="0"/>
-              <a:t>5/11/2023</a:t>
+              <a:t>5/12/2023</a:t>
             </a:fld>
             <a:endParaRPr lang="en-US" dirty="0"/>
           </a:p>
@@ -2523,7 +2576,7 @@
           <a:p>
             <a:fld id="{48A87A34-81AB-432B-8DAE-1953F412C126}" type="datetimeFigureOut">
               <a:rPr lang="en-US" dirty="0"/>
-              <a:t>5/11/2023</a:t>
+              <a:t>5/12/2023</a:t>
             </a:fld>
             <a:endParaRPr lang="en-US" dirty="0"/>
           </a:p>
@@ -2964,7 +3017,7 @@
             <a:fld id="{48A87A34-81AB-432B-8DAE-1953F412C126}" type="datetimeFigureOut">
               <a:rPr lang="en-US" dirty="0"/>
               <a:pPr/>
-              <a:t>5/11/2023</a:t>
+              <a:t>5/12/2023</a:t>
             </a:fld>
             <a:endParaRPr lang="en-US" dirty="0"/>
           </a:p>
@@ -3287,7 +3340,7 @@
             <a:fld id="{48A87A34-81AB-432B-8DAE-1953F412C126}" type="datetimeFigureOut">
               <a:rPr lang="en-US" dirty="0"/>
               <a:pPr/>
-              <a:t>5/11/2023</a:t>
+              <a:t>5/12/2023</a:t>
             </a:fld>
             <a:endParaRPr lang="en-US" dirty="0"/>
           </a:p>
@@ -4438,7 +4491,7 @@
           <a:p>
             <a:r>
               <a:rPr lang="en-GB" dirty="0"/>
-              <a:t>The name of the project is “Timetable Notification App”</a:t>
+              <a:t>The name of the project is “Timetable App”</a:t>
             </a:r>
           </a:p>
           <a:p>
@@ -4547,25 +4600,25 @@
           <a:p>
             <a:r>
               <a:rPr lang="en-GB" dirty="0"/>
-              <a:t>The project itself is an app where the user can be notified of the next available train or bus depending on their preferences.</a:t>
+              <a:t>The project itself is an app where the user can access the timetable and scroll through them in order to find the location of the bus stop as well as the times for when the bus is going to arrive.</a:t>
             </a:r>
           </a:p>
           <a:p>
             <a:r>
               <a:rPr lang="en-GB" dirty="0"/>
-              <a:t>My mobile application is aimed to a wider demographic, particularly aimed at those who rely on public transport, such as busses and trains, in order to commute to and from their destination.</a:t>
+              <a:t>My mobile application is aimed at a wider demographic, particularly aimed at those who rely on public transport, such as busses and trains, in order to commute to and from their destination.</a:t>
             </a:r>
           </a:p>
           <a:p>
             <a:r>
               <a:rPr lang="en-GB" dirty="0"/>
-              <a:t>The problem that this application aims to solve, and address is the general issue of time management and remembering the times for different public transportation. The application itself will help alleviate most of the issue while serving as an app that could help the users reach their destination on time.</a:t>
+              <a:t>The problem that this application aims to solve, and address is the general issue of time management and remembering the times for different public transportation. The application itself will help alleviate most of the issues while serving as an app that could help the users reach their destination on time.</a:t>
             </a:r>
           </a:p>
           <a:p>
             <a:r>
               <a:rPr lang="en-GB" dirty="0"/>
-              <a:t>How this would differ from existing applications would be that this would have a dual purpose as it is going to be an app that helps with managing timetables but also serves as a GPS to help users get to where they need to be in the shortest amount of time.</a:t>
+              <a:t>How this would differ from existing applications would be that this would be more user-friendly as well as have translations for the timetables both in English as well as in Irish.</a:t>
             </a:r>
           </a:p>
         </p:txBody>
@@ -4666,12 +4719,6 @@
               <a:t>The problem that I aim to solve with this application is with the problem of time management and forgetting when the next bus or train arrives.</a:t>
             </a:r>
           </a:p>
-          <a:p>
-            <a:r>
-              <a:rPr lang="en-GB" dirty="0"/>
-              <a:t>Likewise another problem this project aims to fix is finding the quickest and efficient route to the nearest train station or bus stop.</a:t>
-            </a:r>
-          </a:p>
         </p:txBody>
       </p:sp>
     </p:spTree>
@@ -4755,19 +4802,14 @@
           <a:p>
             <a:r>
               <a:rPr lang="en-GB" dirty="0"/>
-              <a:t>For my project, one of the main requirements that is needed are the APIs from the Irish Rails or Bus Eireann website as they contain the necessary information for my application.</a:t>
+              <a:t>For my project, one of the main requirements that are needed are the APIs from the Irish Rails or Bus Eireann website as they contain the necessary information for my application.</a:t>
             </a:r>
           </a:p>
           <a:p>
             <a:r>
               <a:rPr lang="en-GB" dirty="0"/>
-              <a:t>Likewise, the Google Maps is mandatory in my project as the API itself can help mobile users find the shortest route possible to the nearest bus stop or train </a:t>
-            </a:r>
-            <a:r>
-              <a:rPr lang="en-GB"/>
-              <a:t>station.</a:t>
-            </a:r>
-            <a:endParaRPr lang="en-GB" dirty="0"/>
+              <a:t>Since the project is going to be a mobile application, I wanted to use Retrofit’s Recycler View, which means is that means the user will be able to scroll through the app and search for the timetables and locations of the bus-stops.</a:t>
+            </a:r>
           </a:p>
         </p:txBody>
       </p:sp>
